--- a/RA para captura de medidas corporales y visualización.pptx
+++ b/RA para captura de medidas corporales y visualización.pptx
@@ -112,6 +112,11 @@
       </a:defRPr>
     </a:lvl9pPr>
   </p:defaultTextStyle>
+  <p:extLst>
+    <p:ext uri="{EFAFB233-063F-42B5-8137-9DF3F51BA10A}">
+      <p15:sldGuideLst xmlns:p15="http://schemas.microsoft.com/office/powerpoint/2012/main"/>
+    </p:ext>
+  </p:extLst>
 </p:presentation>
 </file>
 
@@ -316,7 +321,7 @@
           <a:p>
             <a:fld id="{41A8FD12-AF20-4575-BCE7-7787B5A999B5}" type="slidenum">
               <a:rPr lang="en-US" smtClean="0"/>
-              <a:t>‹#›</a:t>
+              <a:t>‹Nº›</a:t>
             </a:fld>
             <a:endParaRPr lang="en-US"/>
           </a:p>
@@ -514,7 +519,7 @@
           <a:p>
             <a:fld id="{41A8FD12-AF20-4575-BCE7-7787B5A999B5}" type="slidenum">
               <a:rPr lang="en-US" smtClean="0"/>
-              <a:t>‹#›</a:t>
+              <a:t>‹Nº›</a:t>
             </a:fld>
             <a:endParaRPr lang="en-US"/>
           </a:p>
@@ -722,7 +727,7 @@
           <a:p>
             <a:fld id="{41A8FD12-AF20-4575-BCE7-7787B5A999B5}" type="slidenum">
               <a:rPr lang="en-US" smtClean="0"/>
-              <a:t>‹#›</a:t>
+              <a:t>‹Nº›</a:t>
             </a:fld>
             <a:endParaRPr lang="en-US"/>
           </a:p>
@@ -920,7 +925,7 @@
           <a:p>
             <a:fld id="{41A8FD12-AF20-4575-BCE7-7787B5A999B5}" type="slidenum">
               <a:rPr lang="en-US" smtClean="0"/>
-              <a:t>‹#›</a:t>
+              <a:t>‹Nº›</a:t>
             </a:fld>
             <a:endParaRPr lang="en-US"/>
           </a:p>
@@ -1195,7 +1200,7 @@
           <a:p>
             <a:fld id="{41A8FD12-AF20-4575-BCE7-7787B5A999B5}" type="slidenum">
               <a:rPr lang="en-US" smtClean="0"/>
-              <a:t>‹#›</a:t>
+              <a:t>‹Nº›</a:t>
             </a:fld>
             <a:endParaRPr lang="en-US"/>
           </a:p>
@@ -1460,7 +1465,7 @@
           <a:p>
             <a:fld id="{41A8FD12-AF20-4575-BCE7-7787B5A999B5}" type="slidenum">
               <a:rPr lang="en-US" smtClean="0"/>
-              <a:t>‹#›</a:t>
+              <a:t>‹Nº›</a:t>
             </a:fld>
             <a:endParaRPr lang="en-US"/>
           </a:p>
@@ -1872,7 +1877,7 @@
           <a:p>
             <a:fld id="{41A8FD12-AF20-4575-BCE7-7787B5A999B5}" type="slidenum">
               <a:rPr lang="en-US" smtClean="0"/>
-              <a:t>‹#›</a:t>
+              <a:t>‹Nº›</a:t>
             </a:fld>
             <a:endParaRPr lang="en-US"/>
           </a:p>
@@ -2013,7 +2018,7 @@
           <a:p>
             <a:fld id="{41A8FD12-AF20-4575-BCE7-7787B5A999B5}" type="slidenum">
               <a:rPr lang="en-US" smtClean="0"/>
-              <a:t>‹#›</a:t>
+              <a:t>‹Nº›</a:t>
             </a:fld>
             <a:endParaRPr lang="en-US"/>
           </a:p>
@@ -2126,7 +2131,7 @@
           <a:p>
             <a:fld id="{41A8FD12-AF20-4575-BCE7-7787B5A999B5}" type="slidenum">
               <a:rPr lang="en-US" smtClean="0"/>
-              <a:t>‹#›</a:t>
+              <a:t>‹Nº›</a:t>
             </a:fld>
             <a:endParaRPr lang="en-US"/>
           </a:p>
@@ -2437,7 +2442,7 @@
           <a:p>
             <a:fld id="{41A8FD12-AF20-4575-BCE7-7787B5A999B5}" type="slidenum">
               <a:rPr lang="en-US" smtClean="0"/>
-              <a:t>‹#›</a:t>
+              <a:t>‹Nº›</a:t>
             </a:fld>
             <a:endParaRPr lang="en-US"/>
           </a:p>
@@ -2725,7 +2730,7 @@
           <a:p>
             <a:fld id="{41A8FD12-AF20-4575-BCE7-7787B5A999B5}" type="slidenum">
               <a:rPr lang="en-US" smtClean="0"/>
-              <a:t>‹#›</a:t>
+              <a:t>‹Nº›</a:t>
             </a:fld>
             <a:endParaRPr lang="en-US"/>
           </a:p>
@@ -3002,7 +3007,7 @@
           <a:p>
             <a:fld id="{41A8FD12-AF20-4575-BCE7-7787B5A999B5}" type="slidenum">
               <a:rPr lang="en-US" smtClean="0"/>
-              <a:t>‹#›</a:t>
+              <a:t>‹Nº›</a:t>
             </a:fld>
             <a:endParaRPr lang="en-US"/>
           </a:p>
@@ -3355,7 +3360,7 @@
         </p:nvSpPr>
         <p:spPr>
           <a:xfrm>
-            <a:off x="1524000" y="2783211"/>
+            <a:off x="1524000" y="3065669"/>
             <a:ext cx="9144000" cy="2387600"/>
           </a:xfrm>
         </p:spPr>
@@ -3371,9 +3376,83 @@
                   <a:schemeClr val="bg1"/>
                 </a:solidFill>
               </a:rPr>
-              <a:t>RA para captura de medidas corporales y visualización de prendas textiles digitales</a:t>
+              <a:t>RA para </a:t>
+            </a:r>
+            <a:r>
+              <a:rPr lang="es-ES" sz="5400" b="1" dirty="0">
+                <a:solidFill>
+                  <a:schemeClr val="bg1"/>
+                </a:solidFill>
+              </a:rPr>
+              <a:t>captura de medidas corporales </a:t>
+            </a:r>
+            <a:r>
+              <a:rPr lang="es-ES" sz="5400" dirty="0">
+                <a:solidFill>
+                  <a:schemeClr val="bg1"/>
+                </a:solidFill>
+              </a:rPr>
+              <a:t>y </a:t>
+            </a:r>
+            <a:r>
+              <a:rPr lang="es-ES" sz="5400" b="1" dirty="0">
+                <a:solidFill>
+                  <a:schemeClr val="bg1"/>
+                </a:solidFill>
+              </a:rPr>
+              <a:t>visualización de prendas</a:t>
+            </a:r>
+            <a:r>
+              <a:rPr lang="es-ES" sz="5400" dirty="0">
+                <a:solidFill>
+                  <a:schemeClr val="bg1"/>
+                </a:solidFill>
+              </a:rPr>
+              <a:t> textiles digitales</a:t>
             </a:r>
             <a:endParaRPr lang="en-US" sz="5400" dirty="0">
+              <a:solidFill>
+                <a:schemeClr val="bg1"/>
+              </a:solidFill>
+            </a:endParaRPr>
+          </a:p>
+        </p:txBody>
+      </p:sp>
+      <p:sp>
+        <p:nvSpPr>
+          <p:cNvPr id="3" name="Subtítulo 2">
+            <a:extLst>
+              <a:ext uri="{FF2B5EF4-FFF2-40B4-BE49-F238E27FC236}">
+                <a16:creationId xmlns:a16="http://schemas.microsoft.com/office/drawing/2014/main" id="{D7D5F850-EE20-47DB-A7F4-24ECE84B0D27}"/>
+              </a:ext>
+            </a:extLst>
+          </p:cNvPr>
+          <p:cNvSpPr>
+            <a:spLocks noGrp="1"/>
+          </p:cNvSpPr>
+          <p:nvPr>
+            <p:ph type="subTitle" idx="1"/>
+          </p:nvPr>
+        </p:nvSpPr>
+        <p:spPr>
+          <a:xfrm>
+            <a:off x="1524000" y="1404731"/>
+            <a:ext cx="9144000" cy="1655762"/>
+          </a:xfrm>
+        </p:spPr>
+        <p:txBody>
+          <a:bodyPr/>
+          <a:lstStyle/>
+          <a:p>
+            <a:r>
+              <a:rPr lang="es-MX" sz="6000" dirty="0">
+                <a:solidFill>
+                  <a:schemeClr val="bg1"/>
+                </a:solidFill>
+              </a:rPr>
+              <a:t>Proyecto de estadía</a:t>
+            </a:r>
+            <a:endParaRPr lang="en-US" dirty="0">
               <a:solidFill>
                 <a:schemeClr val="bg1"/>
               </a:solidFill>
@@ -3555,49 +3634,20 @@
           </a:bodyPr>
           <a:lstStyle/>
           <a:p>
-            <a:r>
-              <a:rPr lang="es-MX" sz="8000" dirty="0">
+            <a:pPr algn="ctr"/>
+            <a:r>
+              <a:rPr lang="es-MX" sz="6000" dirty="0">
                 <a:solidFill>
                   <a:schemeClr val="bg1"/>
                 </a:solidFill>
               </a:rPr>
-              <a:t>Donde se aplica la RA</a:t>
-            </a:r>
-            <a:endParaRPr lang="en-US" sz="8000" dirty="0">
+              <a:t>¿Dónde se aplica la RA?</a:t>
+            </a:r>
+            <a:endParaRPr lang="en-US" sz="6000" dirty="0">
               <a:solidFill>
                 <a:schemeClr val="bg1"/>
               </a:solidFill>
             </a:endParaRPr>
-          </a:p>
-        </p:txBody>
-      </p:sp>
-      <p:sp>
-        <p:nvSpPr>
-          <p:cNvPr id="4" name="Content Placeholder 3">
-            <a:extLst>
-              <a:ext uri="{FF2B5EF4-FFF2-40B4-BE49-F238E27FC236}">
-                <a16:creationId xmlns:a16="http://schemas.microsoft.com/office/drawing/2014/main" id="{6911D553-0A62-4BE3-8F90-41C46AE82121}"/>
-              </a:ext>
-            </a:extLst>
-          </p:cNvPr>
-          <p:cNvSpPr>
-            <a:spLocks noGrp="1"/>
-          </p:cNvSpPr>
-          <p:nvPr>
-            <p:ph idx="1"/>
-          </p:nvPr>
-        </p:nvSpPr>
-        <p:spPr>
-          <a:xfrm>
-            <a:off x="838200" y="1825625"/>
-            <a:ext cx="10515600" cy="4351338"/>
-          </a:xfrm>
-        </p:spPr>
-        <p:txBody>
-          <a:bodyPr/>
-          <a:lstStyle/>
-          <a:p>
-            <a:endParaRPr lang="en-US" dirty="0"/>
           </a:p>
         </p:txBody>
       </p:sp>
@@ -3657,25 +3707,25 @@
         </p:nvSpPr>
         <p:spPr>
           <a:xfrm>
-            <a:off x="838200" y="365125"/>
-            <a:ext cx="10515600" cy="2014181"/>
+            <a:off x="718931" y="338622"/>
+            <a:ext cx="11049000" cy="2014181"/>
           </a:xfrm>
         </p:spPr>
         <p:txBody>
           <a:bodyPr>
-            <a:normAutofit fontScale="90000"/>
+            <a:noAutofit/>
           </a:bodyPr>
           <a:lstStyle/>
           <a:p>
             <a:r>
-              <a:rPr lang="es-MX" sz="8000" dirty="0">
+              <a:rPr lang="es-MX" sz="6000" dirty="0">
                 <a:solidFill>
                   <a:schemeClr val="bg1"/>
                 </a:solidFill>
               </a:rPr>
-              <a:t>Cual es el problema a solucionar?</a:t>
-            </a:r>
-            <a:endParaRPr lang="en-US" sz="8000" dirty="0">
+              <a:t>¿Cual es el problema a solucionar?</a:t>
+            </a:r>
+            <a:endParaRPr lang="en-US" sz="6000" dirty="0">
               <a:solidFill>
                 <a:schemeClr val="bg1"/>
               </a:solidFill>
